--- a/Curs4_Java_modul1.pptx
+++ b/Curs4_Java_modul1.pptx
@@ -18,14 +18,15 @@
     <p:sldId id="264" r:id="rId12"/>
     <p:sldId id="265" r:id="rId13"/>
     <p:sldId id="266" r:id="rId14"/>
-    <p:sldId id="277" r:id="rId15"/>
-    <p:sldId id="267" r:id="rId16"/>
-    <p:sldId id="268" r:id="rId17"/>
-    <p:sldId id="271" r:id="rId18"/>
-    <p:sldId id="272" r:id="rId19"/>
-    <p:sldId id="273" r:id="rId20"/>
-    <p:sldId id="274" r:id="rId21"/>
-    <p:sldId id="275" r:id="rId22"/>
+    <p:sldId id="278" r:id="rId15"/>
+    <p:sldId id="277" r:id="rId16"/>
+    <p:sldId id="267" r:id="rId17"/>
+    <p:sldId id="268" r:id="rId18"/>
+    <p:sldId id="271" r:id="rId19"/>
+    <p:sldId id="272" r:id="rId20"/>
+    <p:sldId id="273" r:id="rId21"/>
+    <p:sldId id="274" r:id="rId22"/>
+    <p:sldId id="275" r:id="rId23"/>
   </p:sldIdLst>
   <p:sldSz cx="12192000" cy="6858000"/>
   <p:notesSz cx="6858000" cy="9144000"/>
@@ -279,7 +280,7 @@
           <a:p>
             <a:fld id="{03352A76-1D23-49DD-A3D3-3C2AC7CC3EE6}" type="datetimeFigureOut">
               <a:rPr lang="en-US" smtClean="0"/>
-              <a:t>1/7/2020</a:t>
+              <a:t>1/10/2020</a:t>
             </a:fld>
             <a:endParaRPr lang="en-US"/>
           </a:p>
@@ -477,7 +478,7 @@
           <a:p>
             <a:fld id="{03352A76-1D23-49DD-A3D3-3C2AC7CC3EE6}" type="datetimeFigureOut">
               <a:rPr lang="en-US" smtClean="0"/>
-              <a:t>1/7/2020</a:t>
+              <a:t>1/10/2020</a:t>
             </a:fld>
             <a:endParaRPr lang="en-US"/>
           </a:p>
@@ -685,7 +686,7 @@
           <a:p>
             <a:fld id="{03352A76-1D23-49DD-A3D3-3C2AC7CC3EE6}" type="datetimeFigureOut">
               <a:rPr lang="en-US" smtClean="0"/>
-              <a:t>1/7/2020</a:t>
+              <a:t>1/10/2020</a:t>
             </a:fld>
             <a:endParaRPr lang="en-US"/>
           </a:p>
@@ -883,7 +884,7 @@
           <a:p>
             <a:fld id="{03352A76-1D23-49DD-A3D3-3C2AC7CC3EE6}" type="datetimeFigureOut">
               <a:rPr lang="en-US" smtClean="0"/>
-              <a:t>1/7/2020</a:t>
+              <a:t>1/10/2020</a:t>
             </a:fld>
             <a:endParaRPr lang="en-US"/>
           </a:p>
@@ -1158,7 +1159,7 @@
           <a:p>
             <a:fld id="{03352A76-1D23-49DD-A3D3-3C2AC7CC3EE6}" type="datetimeFigureOut">
               <a:rPr lang="en-US" smtClean="0"/>
-              <a:t>1/7/2020</a:t>
+              <a:t>1/10/2020</a:t>
             </a:fld>
             <a:endParaRPr lang="en-US"/>
           </a:p>
@@ -1423,7 +1424,7 @@
           <a:p>
             <a:fld id="{03352A76-1D23-49DD-A3D3-3C2AC7CC3EE6}" type="datetimeFigureOut">
               <a:rPr lang="en-US" smtClean="0"/>
-              <a:t>1/7/2020</a:t>
+              <a:t>1/10/2020</a:t>
             </a:fld>
             <a:endParaRPr lang="en-US"/>
           </a:p>
@@ -1835,7 +1836,7 @@
           <a:p>
             <a:fld id="{03352A76-1D23-49DD-A3D3-3C2AC7CC3EE6}" type="datetimeFigureOut">
               <a:rPr lang="en-US" smtClean="0"/>
-              <a:t>1/7/2020</a:t>
+              <a:t>1/10/2020</a:t>
             </a:fld>
             <a:endParaRPr lang="en-US"/>
           </a:p>
@@ -1976,7 +1977,7 @@
           <a:p>
             <a:fld id="{03352A76-1D23-49DD-A3D3-3C2AC7CC3EE6}" type="datetimeFigureOut">
               <a:rPr lang="en-US" smtClean="0"/>
-              <a:t>1/7/2020</a:t>
+              <a:t>1/10/2020</a:t>
             </a:fld>
             <a:endParaRPr lang="en-US"/>
           </a:p>
@@ -2089,7 +2090,7 @@
           <a:p>
             <a:fld id="{03352A76-1D23-49DD-A3D3-3C2AC7CC3EE6}" type="datetimeFigureOut">
               <a:rPr lang="en-US" smtClean="0"/>
-              <a:t>1/7/2020</a:t>
+              <a:t>1/10/2020</a:t>
             </a:fld>
             <a:endParaRPr lang="en-US"/>
           </a:p>
@@ -2400,7 +2401,7 @@
           <a:p>
             <a:fld id="{03352A76-1D23-49DD-A3D3-3C2AC7CC3EE6}" type="datetimeFigureOut">
               <a:rPr lang="en-US" smtClean="0"/>
-              <a:t>1/7/2020</a:t>
+              <a:t>1/10/2020</a:t>
             </a:fld>
             <a:endParaRPr lang="en-US"/>
           </a:p>
@@ -2688,7 +2689,7 @@
           <a:p>
             <a:fld id="{03352A76-1D23-49DD-A3D3-3C2AC7CC3EE6}" type="datetimeFigureOut">
               <a:rPr lang="en-US" smtClean="0"/>
-              <a:t>1/7/2020</a:t>
+              <a:t>1/10/2020</a:t>
             </a:fld>
             <a:endParaRPr lang="en-US"/>
           </a:p>
@@ -2929,7 +2930,7 @@
           <a:p>
             <a:fld id="{03352A76-1D23-49DD-A3D3-3C2AC7CC3EE6}" type="datetimeFigureOut">
               <a:rPr lang="en-US" smtClean="0"/>
-              <a:t>1/7/2020</a:t>
+              <a:t>1/10/2020</a:t>
             </a:fld>
             <a:endParaRPr lang="en-US"/>
           </a:p>
@@ -3674,7 +3675,7 @@
             </a:r>
             <a:r>
               <a:rPr lang="en-US" dirty="0" err="1"/>
-              <a:t>modicator</a:t>
+              <a:t>modificator</a:t>
             </a:r>
             <a:r>
               <a:rPr lang="en-US" dirty="0"/>
@@ -3813,7 +3814,7 @@
             </a:r>
             <a:r>
               <a:rPr lang="en-US" dirty="0"/>
-              <a:t> </a:t>
+              <a:t> de date al </a:t>
             </a:r>
             <a:r>
               <a:rPr lang="en-US" dirty="0" err="1"/>
@@ -3994,7 +3995,15 @@
             </a:r>
             <a:r>
               <a:rPr lang="it-IT" dirty="0"/>
-              <a:t>variabilele membru ale unei clase sa e declarate private, si eventual pentru accesul din exterior la ele sa </a:t>
+              <a:t>variabilele membru ale unei clase sa </a:t>
+            </a:r>
+            <a:r>
+              <a:rPr lang="it-IT" dirty="0" err="1"/>
+              <a:t>fie</a:t>
+            </a:r>
+            <a:r>
+              <a:rPr lang="it-IT" dirty="0"/>
+              <a:t> declarate private, si eventual pentru accesul din exterior la ele sa </a:t>
             </a:r>
             <a:r>
               <a:rPr lang="en-US" dirty="0"/>
@@ -4074,7 +4083,31 @@
           <a:p>
             <a:r>
               <a:rPr lang="it-IT" dirty="0"/>
-              <a:t>Ideal ar ca initial toate campurile sa e private, si sa se creeze setter/getter doar la campurile la care </a:t>
+              <a:t>Ideal </a:t>
+            </a:r>
+            <a:r>
+              <a:rPr lang="it-IT" dirty="0" err="1"/>
+              <a:t>ar</a:t>
+            </a:r>
+            <a:r>
+              <a:rPr lang="it-IT" dirty="0"/>
+              <a:t> fi </a:t>
+            </a:r>
+            <a:r>
+              <a:rPr lang="it-IT" dirty="0" err="1"/>
+              <a:t>ca</a:t>
+            </a:r>
+            <a:r>
+              <a:rPr lang="it-IT" dirty="0"/>
+              <a:t> initial toate campurile sa </a:t>
+            </a:r>
+            <a:r>
+              <a:rPr lang="it-IT" dirty="0" err="1"/>
+              <a:t>fie</a:t>
+            </a:r>
+            <a:r>
+              <a:rPr lang="it-IT" dirty="0"/>
+              <a:t> private, si sa se creeze setter/getter doar la campurile la care </a:t>
             </a:r>
             <a:r>
               <a:rPr lang="en-US" dirty="0"/>
@@ -4158,7 +4191,7 @@
             </a:r>
             <a:r>
               <a:rPr lang="en-US" dirty="0"/>
-              <a:t> e cat </a:t>
+              <a:t> fie cat </a:t>
             </a:r>
             <a:r>
               <a:rPr lang="en-US" dirty="0" err="1"/>
@@ -4628,7 +4661,15 @@
             </a:r>
             <a:r>
               <a:rPr lang="en-US" dirty="0"/>
-              <a:t> e un verb care </a:t>
+              <a:t> </a:t>
+            </a:r>
+            <a:r>
+              <a:rPr lang="en-US" dirty="0" err="1"/>
+              <a:t>fiee</a:t>
+            </a:r>
+            <a:r>
+              <a:rPr lang="en-US" dirty="0"/>
+              <a:t> un verb care </a:t>
             </a:r>
             <a:r>
               <a:rPr lang="en-US" dirty="0" err="1"/>
@@ -4662,7 +4703,15 @@
             </a:r>
             <a:r>
               <a:rPr lang="it-IT" dirty="0"/>
-              <a:t>numele metodelor ar trebui sa e unic in cadrul unei clase. Totusi, metodele se pot </a:t>
+              <a:t>numele metodelor ar trebui sa </a:t>
+            </a:r>
+            <a:r>
+              <a:rPr lang="it-IT" dirty="0" err="1"/>
+              <a:t>fie</a:t>
+            </a:r>
+            <a:r>
+              <a:rPr lang="it-IT" dirty="0"/>
+              <a:t> unic in cadrul unei clase. Totusi, metodele se pot </a:t>
             </a:r>
             <a:r>
               <a:rPr lang="it-IT" b="1" dirty="0"/>
@@ -5159,6 +5208,283 @@
       </p:grpSpPr>
       <p:sp>
         <p:nvSpPr>
+          <p:cNvPr id="2" name="Titlu 1">
+            <a:extLst>
+              <a:ext uri="{FF2B5EF4-FFF2-40B4-BE49-F238E27FC236}">
+                <a16:creationId xmlns:a16="http://schemas.microsoft.com/office/drawing/2014/main" id="{FDDA5B65-E615-47F5-BEFB-D82B0F32368C}"/>
+              </a:ext>
+            </a:extLst>
+          </p:cNvPr>
+          <p:cNvSpPr>
+            <a:spLocks noGrp="1"/>
+          </p:cNvSpPr>
+          <p:nvPr>
+            <p:ph type="title"/>
+          </p:nvPr>
+        </p:nvSpPr>
+        <p:spPr/>
+        <p:txBody>
+          <a:bodyPr/>
+          <a:lstStyle/>
+          <a:p>
+            <a:r>
+              <a:rPr lang="en-US" b="1" dirty="0"/>
+              <a:t>2.4) </a:t>
+            </a:r>
+            <a:r>
+              <a:rPr lang="en-US" b="1" dirty="0" err="1"/>
+              <a:t>Supraincarcarea</a:t>
+            </a:r>
+            <a:r>
+              <a:rPr lang="en-US" b="1" dirty="0"/>
+              <a:t> </a:t>
+            </a:r>
+            <a:r>
+              <a:rPr lang="en-US" b="1" dirty="0" err="1"/>
+              <a:t>metodelor</a:t>
+            </a:r>
+            <a:r>
+              <a:rPr lang="en-US" b="1" dirty="0"/>
+              <a:t> (cont’d)</a:t>
+            </a:r>
+            <a:endParaRPr lang="ro-RO" b="1" dirty="0"/>
+          </a:p>
+        </p:txBody>
+      </p:sp>
+      <p:sp>
+        <p:nvSpPr>
+          <p:cNvPr id="3" name="Substituent conținut 2">
+            <a:extLst>
+              <a:ext uri="{FF2B5EF4-FFF2-40B4-BE49-F238E27FC236}">
+                <a16:creationId xmlns:a16="http://schemas.microsoft.com/office/drawing/2014/main" id="{CD3B9A51-CDF5-4002-9D07-E67D3EAF8B67}"/>
+              </a:ext>
+            </a:extLst>
+          </p:cNvPr>
+          <p:cNvSpPr>
+            <a:spLocks noGrp="1"/>
+          </p:cNvSpPr>
+          <p:nvPr>
+            <p:ph idx="1"/>
+          </p:nvPr>
+        </p:nvSpPr>
+        <p:spPr/>
+        <p:txBody>
+          <a:bodyPr/>
+          <a:lstStyle/>
+          <a:p>
+            <a:r>
+              <a:rPr lang="en-US" dirty="0" err="1"/>
+              <a:t>Ordinea</a:t>
+            </a:r>
+            <a:r>
+              <a:rPr lang="en-US" dirty="0"/>
+              <a:t> de matching </a:t>
+            </a:r>
+            <a:r>
+              <a:rPr lang="en-US" dirty="0" err="1"/>
+              <a:t>pentru</a:t>
+            </a:r>
+            <a:r>
+              <a:rPr lang="en-US" dirty="0"/>
+              <a:t> </a:t>
+            </a:r>
+            <a:r>
+              <a:rPr lang="en-US" dirty="0" err="1"/>
+              <a:t>alegerea</a:t>
+            </a:r>
+            <a:r>
+              <a:rPr lang="en-US" dirty="0"/>
+              <a:t> </a:t>
+            </a:r>
+            <a:r>
+              <a:rPr lang="en-US" dirty="0" err="1"/>
+              <a:t>metodei</a:t>
+            </a:r>
+            <a:r>
+              <a:rPr lang="en-US" dirty="0"/>
+              <a:t> </a:t>
+            </a:r>
+            <a:r>
+              <a:rPr lang="en-US" dirty="0" err="1"/>
+              <a:t>apelate</a:t>
+            </a:r>
+            <a:r>
+              <a:rPr lang="en-US" dirty="0"/>
+              <a:t>, </a:t>
+            </a:r>
+            <a:r>
+              <a:rPr lang="en-US" dirty="0" err="1"/>
+              <a:t>pentru</a:t>
+            </a:r>
+            <a:r>
+              <a:rPr lang="en-US" dirty="0"/>
+              <a:t> </a:t>
+            </a:r>
+            <a:r>
+              <a:rPr lang="en-US" dirty="0" err="1"/>
+              <a:t>argumente</a:t>
+            </a:r>
+            <a:r>
+              <a:rPr lang="en-US" dirty="0"/>
+              <a:t> primitive:</a:t>
+            </a:r>
+          </a:p>
+          <a:p>
+            <a:pPr marL="514350" indent="-514350">
+              <a:buFont typeface="+mj-lt"/>
+              <a:buAutoNum type="arabicPeriod"/>
+            </a:pPr>
+            <a:r>
+              <a:rPr lang="en-US" dirty="0" err="1"/>
+              <a:t>Potrivire</a:t>
+            </a:r>
+            <a:r>
+              <a:rPr lang="en-US" dirty="0"/>
+              <a:t> exacta, pe </a:t>
+            </a:r>
+            <a:r>
+              <a:rPr lang="en-US" dirty="0" err="1"/>
+              <a:t>baza</a:t>
+            </a:r>
+            <a:r>
+              <a:rPr lang="en-US" dirty="0"/>
+              <a:t> </a:t>
+            </a:r>
+            <a:r>
+              <a:rPr lang="en-US" dirty="0" err="1"/>
+              <a:t>tipului</a:t>
+            </a:r>
+            <a:endParaRPr lang="en-US" dirty="0"/>
+          </a:p>
+          <a:p>
+            <a:pPr marL="514350" indent="-514350">
+              <a:buFont typeface="+mj-lt"/>
+              <a:buAutoNum type="arabicPeriod"/>
+            </a:pPr>
+            <a:r>
+              <a:rPr lang="en-US" dirty="0" err="1"/>
+              <a:t>Tipul</a:t>
+            </a:r>
+            <a:r>
+              <a:rPr lang="en-US" dirty="0"/>
+              <a:t> </a:t>
+            </a:r>
+            <a:r>
+              <a:rPr lang="en-US" dirty="0" err="1"/>
+              <a:t>primitiv</a:t>
+            </a:r>
+            <a:r>
+              <a:rPr lang="en-US" dirty="0"/>
+              <a:t> </a:t>
+            </a:r>
+            <a:r>
+              <a:rPr lang="en-US" dirty="0" err="1"/>
+              <a:t>cel</a:t>
+            </a:r>
+            <a:r>
+              <a:rPr lang="en-US" dirty="0"/>
+              <a:t> </a:t>
+            </a:r>
+            <a:r>
+              <a:rPr lang="en-US" dirty="0" err="1"/>
+              <a:t>mai</a:t>
+            </a:r>
+            <a:r>
+              <a:rPr lang="en-US" dirty="0"/>
+              <a:t> </a:t>
+            </a:r>
+            <a:r>
+              <a:rPr lang="en-US" dirty="0" err="1"/>
+              <a:t>apropiat</a:t>
+            </a:r>
+            <a:r>
+              <a:rPr lang="en-US" dirty="0"/>
+              <a:t>, </a:t>
+            </a:r>
+            <a:r>
+              <a:rPr lang="en-US" dirty="0" err="1"/>
+              <a:t>mai</a:t>
+            </a:r>
+            <a:r>
+              <a:rPr lang="en-US" dirty="0"/>
+              <a:t> “mare” </a:t>
+            </a:r>
+            <a:r>
+              <a:rPr lang="en-US" dirty="0" err="1"/>
+              <a:t>decat</a:t>
+            </a:r>
+            <a:r>
+              <a:rPr lang="en-US" dirty="0"/>
+              <a:t> </a:t>
+            </a:r>
+            <a:r>
+              <a:rPr lang="en-US" dirty="0" err="1"/>
+              <a:t>cel</a:t>
+            </a:r>
+            <a:r>
+              <a:rPr lang="en-US" dirty="0"/>
+              <a:t> current</a:t>
+            </a:r>
+          </a:p>
+          <a:p>
+            <a:pPr marL="514350" indent="-514350">
+              <a:buFont typeface="+mj-lt"/>
+              <a:buAutoNum type="arabicPeriod"/>
+            </a:pPr>
+            <a:r>
+              <a:rPr lang="en-US" dirty="0" err="1"/>
+              <a:t>Tipul</a:t>
+            </a:r>
+            <a:r>
+              <a:rPr lang="en-US" dirty="0"/>
+              <a:t> Wrapper</a:t>
+            </a:r>
+          </a:p>
+          <a:p>
+            <a:pPr marL="514350" indent="-514350">
+              <a:buFont typeface="+mj-lt"/>
+              <a:buAutoNum type="arabicPeriod"/>
+            </a:pPr>
+            <a:r>
+              <a:rPr lang="en-US" dirty="0" err="1"/>
+              <a:t>Varargs</a:t>
+            </a:r>
+            <a:endParaRPr lang="ro-RO" dirty="0"/>
+          </a:p>
+        </p:txBody>
+      </p:sp>
+    </p:spTree>
+    <p:extLst>
+      <p:ext uri="{BB962C8B-B14F-4D97-AF65-F5344CB8AC3E}">
+        <p14:creationId xmlns:p14="http://schemas.microsoft.com/office/powerpoint/2010/main" val="1359630087"/>
+      </p:ext>
+    </p:extLst>
+  </p:cSld>
+  <p:clrMapOvr>
+    <a:masterClrMapping/>
+  </p:clrMapOvr>
+</p:sld>
+</file>
+
+<file path=ppt/slides/slide15.xml><?xml version="1.0" encoding="utf-8"?>
+<p:sld xmlns:a="http://schemas.openxmlformats.org/drawingml/2006/main" xmlns:r="http://schemas.openxmlformats.org/officeDocument/2006/relationships" xmlns:p="http://schemas.openxmlformats.org/presentationml/2006/main">
+  <p:cSld>
+    <p:spTree>
+      <p:nvGrpSpPr>
+        <p:cNvPr id="1" name=""/>
+        <p:cNvGrpSpPr/>
+        <p:nvPr/>
+      </p:nvGrpSpPr>
+      <p:grpSpPr>
+        <a:xfrm>
+          <a:off x="0" y="0"/>
+          <a:ext cx="0" cy="0"/>
+          <a:chOff x="0" y="0"/>
+          <a:chExt cx="0" cy="0"/>
+        </a:xfrm>
+      </p:grpSpPr>
+      <p:sp>
+        <p:nvSpPr>
           <p:cNvPr id="2" name="Title 1">
             <a:extLst>
               <a:ext uri="{FF2B5EF4-FFF2-40B4-BE49-F238E27FC236}">
@@ -5312,7 +5638,15 @@
             </a:r>
             <a:r>
               <a:rPr lang="en-US" dirty="0"/>
-              <a:t> current, </a:t>
+              <a:t> </a:t>
+            </a:r>
+            <a:r>
+              <a:rPr lang="en-US" dirty="0" err="1"/>
+              <a:t>curent</a:t>
+            </a:r>
+            <a:r>
+              <a:rPr lang="en-US" dirty="0"/>
+              <a:t>, </a:t>
             </a:r>
             <a:r>
               <a:rPr lang="en-US" dirty="0" err="1"/>
@@ -5366,7 +5700,15 @@
           <a:p>
             <a:r>
               <a:rPr lang="it-IT" dirty="0"/>
-              <a:t>Este posibila referirea la orice variabila membru sau metoda prin intermediul lui this.</a:t>
+              <a:t>Este posibila referirea la orice variabila membru sau metoda prin intermediul lui </a:t>
+            </a:r>
+            <a:r>
+              <a:rPr lang="it-IT" b="1" dirty="0"/>
+              <a:t>this</a:t>
+            </a:r>
+            <a:r>
+              <a:rPr lang="it-IT" dirty="0"/>
+              <a:t>.</a:t>
             </a:r>
           </a:p>
           <a:p>
@@ -5424,7 +5766,15 @@
             </a:r>
             <a:r>
               <a:rPr lang="en-US" dirty="0"/>
-              <a:t> this </a:t>
+              <a:t> </a:t>
+            </a:r>
+            <a:r>
+              <a:rPr lang="en-US" b="1" dirty="0"/>
+              <a:t>this</a:t>
+            </a:r>
+            <a:r>
+              <a:rPr lang="en-US" dirty="0"/>
+              <a:t> </a:t>
             </a:r>
             <a:r>
               <a:rPr lang="en-US" dirty="0" err="1"/>
@@ -5522,7 +5872,7 @@
 </p:sld>
 </file>
 
-<file path=ppt/slides/slide15.xml><?xml version="1.0" encoding="utf-8"?>
+<file path=ppt/slides/slide16.xml><?xml version="1.0" encoding="utf-8"?>
 <p:sld xmlns:a="http://schemas.openxmlformats.org/drawingml/2006/main" xmlns:r="http://schemas.openxmlformats.org/officeDocument/2006/relationships" xmlns:p="http://schemas.openxmlformats.org/presentationml/2006/main">
   <p:cSld>
     <p:spTree>
@@ -5681,7 +6031,7 @@
             </a:r>
             <a:r>
               <a:rPr lang="en-US" dirty="0"/>
-              <a:t>) al </a:t>
+              <a:t>) a </a:t>
             </a:r>
             <a:r>
               <a:rPr lang="en-US" dirty="0" err="1"/>
@@ -6038,7 +6388,7 @@
 </p:sld>
 </file>
 
-<file path=ppt/slides/slide16.xml><?xml version="1.0" encoding="utf-8"?>
+<file path=ppt/slides/slide17.xml><?xml version="1.0" encoding="utf-8"?>
 <p:sld xmlns:a="http://schemas.openxmlformats.org/drawingml/2006/main" xmlns:r="http://schemas.openxmlformats.org/officeDocument/2006/relationships" xmlns:p="http://schemas.openxmlformats.org/presentationml/2006/main">
   <p:cSld>
     <p:spTree>
@@ -6402,7 +6752,7 @@
 </p:sld>
 </file>
 
-<file path=ppt/slides/slide17.xml><?xml version="1.0" encoding="utf-8"?>
+<file path=ppt/slides/slide18.xml><?xml version="1.0" encoding="utf-8"?>
 <p:sld xmlns:a="http://schemas.openxmlformats.org/drawingml/2006/main" xmlns:r="http://schemas.openxmlformats.org/officeDocument/2006/relationships" xmlns:p="http://schemas.openxmlformats.org/presentationml/2006/main">
   <p:cSld>
     <p:spTree>
@@ -6599,57 +6949,6 @@
           </a:p>
         </p:txBody>
       </p:sp>
-      <p:sp>
-        <p:nvSpPr>
-          <p:cNvPr id="4" name="Rectangle 3">
-            <a:extLst>
-              <a:ext uri="{FF2B5EF4-FFF2-40B4-BE49-F238E27FC236}">
-                <a16:creationId xmlns:a16="http://schemas.microsoft.com/office/drawing/2014/main" id="{D300027C-0C0A-4AA3-8F2D-E8536DD17544}"/>
-              </a:ext>
-            </a:extLst>
-          </p:cNvPr>
-          <p:cNvSpPr/>
-          <p:nvPr/>
-        </p:nvSpPr>
-        <p:spPr>
-          <a:xfrm>
-            <a:off x="4544709" y="3244334"/>
-            <a:ext cx="3102581" cy="369332"/>
-          </a:xfrm>
-          <a:prstGeom prst="rect">
-            <a:avLst/>
-          </a:prstGeom>
-        </p:spPr>
-        <p:txBody>
-          <a:bodyPr wrap="none">
-            <a:spAutoFit/>
-          </a:bodyPr>
-          <a:lstStyle/>
-          <a:p>
-            <a:r>
-              <a:rPr lang="en-US" b="1" dirty="0"/>
-              <a:t>2.1) </a:t>
-            </a:r>
-            <a:r>
-              <a:rPr lang="en-US" b="1" dirty="0" err="1"/>
-              <a:t>Pasarea</a:t>
-            </a:r>
-            <a:r>
-              <a:rPr lang="en-US" b="1" dirty="0"/>
-              <a:t> </a:t>
-            </a:r>
-            <a:r>
-              <a:rPr lang="en-US" b="1" dirty="0" err="1"/>
-              <a:t>tipurilor</a:t>
-            </a:r>
-            <a:r>
-              <a:rPr lang="en-US" b="1" dirty="0"/>
-              <a:t> primitive</a:t>
-            </a:r>
-            <a:endParaRPr lang="en-US" dirty="0"/>
-          </a:p>
-        </p:txBody>
-      </p:sp>
     </p:spTree>
     <p:extLst>
       <p:ext uri="{BB962C8B-B14F-4D97-AF65-F5344CB8AC3E}">
@@ -6663,7 +6962,7 @@
 </p:sld>
 </file>
 
-<file path=ppt/slides/slide18.xml><?xml version="1.0" encoding="utf-8"?>
+<file path=ppt/slides/slide19.xml><?xml version="1.0" encoding="utf-8"?>
 <p:sld xmlns:a="http://schemas.openxmlformats.org/drawingml/2006/main" xmlns:r="http://schemas.openxmlformats.org/officeDocument/2006/relationships" xmlns:p="http://schemas.openxmlformats.org/presentationml/2006/main">
   <p:cSld>
     <p:spTree>
@@ -6774,437 +7073,6 @@
     <p:extLst>
       <p:ext uri="{BB962C8B-B14F-4D97-AF65-F5344CB8AC3E}">
         <p14:creationId xmlns:p14="http://schemas.microsoft.com/office/powerpoint/2010/main" val="1588210591"/>
-      </p:ext>
-    </p:extLst>
-  </p:cSld>
-  <p:clrMapOvr>
-    <a:masterClrMapping/>
-  </p:clrMapOvr>
-</p:sld>
-</file>
-
-<file path=ppt/slides/slide19.xml><?xml version="1.0" encoding="utf-8"?>
-<p:sld xmlns:a="http://schemas.openxmlformats.org/drawingml/2006/main" xmlns:r="http://schemas.openxmlformats.org/officeDocument/2006/relationships" xmlns:p="http://schemas.openxmlformats.org/presentationml/2006/main">
-  <p:cSld>
-    <p:spTree>
-      <p:nvGrpSpPr>
-        <p:cNvPr id="1" name=""/>
-        <p:cNvGrpSpPr/>
-        <p:nvPr/>
-      </p:nvGrpSpPr>
-      <p:grpSpPr>
-        <a:xfrm>
-          <a:off x="0" y="0"/>
-          <a:ext cx="0" cy="0"/>
-          <a:chOff x="0" y="0"/>
-          <a:chExt cx="0" cy="0"/>
-        </a:xfrm>
-      </p:grpSpPr>
-      <p:sp>
-        <p:nvSpPr>
-          <p:cNvPr id="2" name="Title 1">
-            <a:extLst>
-              <a:ext uri="{FF2B5EF4-FFF2-40B4-BE49-F238E27FC236}">
-                <a16:creationId xmlns:a16="http://schemas.microsoft.com/office/drawing/2014/main" id="{0C3DD843-E0B0-437D-A226-258A341FE22F}"/>
-              </a:ext>
-            </a:extLst>
-          </p:cNvPr>
-          <p:cNvSpPr>
-            <a:spLocks noGrp="1"/>
-          </p:cNvSpPr>
-          <p:nvPr>
-            <p:ph type="title"/>
-          </p:nvPr>
-        </p:nvSpPr>
-        <p:spPr/>
-        <p:txBody>
-          <a:bodyPr/>
-          <a:lstStyle/>
-          <a:p>
-            <a:r>
-              <a:rPr lang="en-US" b="1" dirty="0"/>
-              <a:t>4.1) </a:t>
-            </a:r>
-            <a:r>
-              <a:rPr lang="en-US" b="1" dirty="0" err="1"/>
-              <a:t>Crearea</a:t>
-            </a:r>
-            <a:r>
-              <a:rPr lang="en-US" b="1" dirty="0"/>
-              <a:t> </a:t>
-            </a:r>
-            <a:r>
-              <a:rPr lang="en-US" b="1" dirty="0" err="1"/>
-              <a:t>obiectelor</a:t>
-            </a:r>
-            <a:endParaRPr lang="en-US" b="1" dirty="0"/>
-          </a:p>
-        </p:txBody>
-      </p:sp>
-      <p:sp>
-        <p:nvSpPr>
-          <p:cNvPr id="3" name="Content Placeholder 2">
-            <a:extLst>
-              <a:ext uri="{FF2B5EF4-FFF2-40B4-BE49-F238E27FC236}">
-                <a16:creationId xmlns:a16="http://schemas.microsoft.com/office/drawing/2014/main" id="{99009918-16F9-4503-8175-556CA59C412B}"/>
-              </a:ext>
-            </a:extLst>
-          </p:cNvPr>
-          <p:cNvSpPr>
-            <a:spLocks noGrp="1"/>
-          </p:cNvSpPr>
-          <p:nvPr>
-            <p:ph idx="1"/>
-          </p:nvPr>
-        </p:nvSpPr>
-        <p:spPr/>
-        <p:txBody>
-          <a:bodyPr>
-            <a:normAutofit/>
-          </a:bodyPr>
-          <a:lstStyle/>
-          <a:p>
-            <a:r>
-              <a:rPr lang="it-IT" dirty="0"/>
-              <a:t>Crearea unui obiect se face prin intermediul cuvantului cheie </a:t>
-            </a:r>
-            <a:r>
-              <a:rPr lang="it-IT" b="1" dirty="0"/>
-              <a:t>new</a:t>
-            </a:r>
-            <a:r>
-              <a:rPr lang="it-IT" dirty="0"/>
-              <a:t>.</a:t>
-            </a:r>
-          </a:p>
-          <a:p>
-            <a:r>
-              <a:rPr lang="en-US" dirty="0"/>
-              <a:t>Ex: </a:t>
-            </a:r>
-            <a:r>
-              <a:rPr lang="en-US" i="1" dirty="0"/>
-              <a:t>String s = new String("</a:t>
-            </a:r>
-            <a:r>
-              <a:rPr lang="en-US" i="1" dirty="0" err="1"/>
-              <a:t>abc</a:t>
-            </a:r>
-            <a:r>
-              <a:rPr lang="en-US" i="1" dirty="0"/>
-              <a:t>");</a:t>
-            </a:r>
-          </a:p>
-          <a:p>
-            <a:r>
-              <a:rPr lang="en-US" dirty="0" err="1"/>
-              <a:t>Apelul</a:t>
-            </a:r>
-            <a:r>
-              <a:rPr lang="en-US" dirty="0"/>
-              <a:t> de </a:t>
-            </a:r>
-            <a:r>
-              <a:rPr lang="en-US" dirty="0" err="1"/>
-              <a:t>mai</a:t>
-            </a:r>
-            <a:r>
-              <a:rPr lang="en-US" dirty="0"/>
-              <a:t> sus face </a:t>
-            </a:r>
-            <a:r>
-              <a:rPr lang="en-US" dirty="0" err="1"/>
-              <a:t>practic</a:t>
-            </a:r>
-            <a:r>
-              <a:rPr lang="en-US" dirty="0"/>
-              <a:t> 3 </a:t>
-            </a:r>
-            <a:r>
-              <a:rPr lang="en-US" dirty="0" err="1"/>
-              <a:t>lucruri</a:t>
-            </a:r>
-            <a:r>
-              <a:rPr lang="en-US" dirty="0"/>
-              <a:t>:</a:t>
-            </a:r>
-          </a:p>
-          <a:p>
-            <a:pPr marL="914400" lvl="1" indent="-457200">
-              <a:buFont typeface="+mj-lt"/>
-              <a:buAutoNum type="arabicPeriod"/>
-            </a:pPr>
-            <a:r>
-              <a:rPr lang="pt-BR" dirty="0"/>
-              <a:t> </a:t>
-            </a:r>
-            <a:r>
-              <a:rPr lang="pt-BR" b="1" dirty="0"/>
-              <a:t>Declarare</a:t>
-            </a:r>
-            <a:r>
-              <a:rPr lang="pt-BR" dirty="0"/>
-              <a:t> - se declara o variabila numita s de tip String</a:t>
-            </a:r>
-          </a:p>
-          <a:p>
-            <a:pPr marL="914400" lvl="1" indent="-457200">
-              <a:buFont typeface="+mj-lt"/>
-              <a:buAutoNum type="arabicPeriod"/>
-            </a:pPr>
-            <a:r>
-              <a:rPr lang="en-US" dirty="0"/>
-              <a:t> </a:t>
-            </a:r>
-            <a:r>
-              <a:rPr lang="en-US" b="1" dirty="0" err="1"/>
-              <a:t>Instantiere</a:t>
-            </a:r>
-            <a:r>
-              <a:rPr lang="en-US" dirty="0"/>
-              <a:t> - se </a:t>
-            </a:r>
-            <a:r>
-              <a:rPr lang="en-US" dirty="0" err="1"/>
-              <a:t>creeaza</a:t>
-            </a:r>
-            <a:r>
-              <a:rPr lang="en-US" dirty="0"/>
-              <a:t> un </a:t>
-            </a:r>
-            <a:r>
-              <a:rPr lang="en-US" dirty="0" err="1"/>
-              <a:t>obiect</a:t>
-            </a:r>
-            <a:r>
-              <a:rPr lang="en-US" dirty="0"/>
-              <a:t> de tip String </a:t>
-            </a:r>
-            <a:r>
-              <a:rPr lang="en-US" dirty="0" err="1"/>
-              <a:t>si</a:t>
-            </a:r>
-            <a:r>
-              <a:rPr lang="en-US" dirty="0"/>
-              <a:t> </a:t>
-            </a:r>
-            <a:r>
-              <a:rPr lang="en-US" dirty="0" err="1"/>
-              <a:t>referinta</a:t>
-            </a:r>
-            <a:r>
-              <a:rPr lang="en-US" dirty="0"/>
-              <a:t> </a:t>
-            </a:r>
-            <a:r>
-              <a:rPr lang="en-US" dirty="0" err="1"/>
-              <a:t>catre</a:t>
-            </a:r>
-            <a:r>
-              <a:rPr lang="en-US" dirty="0"/>
-              <a:t> el se </a:t>
-            </a:r>
-            <a:r>
-              <a:rPr lang="en-US" dirty="0" err="1"/>
-              <a:t>plaseaza</a:t>
-            </a:r>
-            <a:r>
-              <a:rPr lang="en-US" dirty="0"/>
-              <a:t> in </a:t>
-            </a:r>
-            <a:r>
-              <a:rPr lang="en-US" dirty="0" err="1"/>
-              <a:t>variabila</a:t>
-            </a:r>
-            <a:r>
-              <a:rPr lang="en-US" dirty="0"/>
-              <a:t> s</a:t>
-            </a:r>
-          </a:p>
-          <a:p>
-            <a:pPr marL="914400" lvl="1" indent="-457200">
-              <a:buFont typeface="+mj-lt"/>
-              <a:buAutoNum type="arabicPeriod"/>
-            </a:pPr>
-            <a:r>
-              <a:rPr lang="en-US" dirty="0"/>
-              <a:t> </a:t>
-            </a:r>
-            <a:r>
-              <a:rPr lang="en-US" b="1" dirty="0" err="1"/>
-              <a:t>Initializare</a:t>
-            </a:r>
-            <a:r>
-              <a:rPr lang="en-US" dirty="0"/>
-              <a:t> - se </a:t>
-            </a:r>
-            <a:r>
-              <a:rPr lang="en-US" dirty="0" err="1"/>
-              <a:t>initializeaza</a:t>
-            </a:r>
-            <a:r>
-              <a:rPr lang="en-US" dirty="0"/>
-              <a:t> </a:t>
-            </a:r>
-            <a:r>
-              <a:rPr lang="en-US" dirty="0" err="1"/>
-              <a:t>variabilele</a:t>
-            </a:r>
-            <a:r>
-              <a:rPr lang="en-US" dirty="0"/>
-              <a:t> </a:t>
-            </a:r>
-            <a:r>
-              <a:rPr lang="en-US" dirty="0" err="1"/>
-              <a:t>membru</a:t>
-            </a:r>
-            <a:r>
-              <a:rPr lang="en-US" dirty="0"/>
-              <a:t> </a:t>
-            </a:r>
-            <a:r>
-              <a:rPr lang="en-US" dirty="0" err="1"/>
-              <a:t>relevante</a:t>
-            </a:r>
-            <a:r>
-              <a:rPr lang="en-US" dirty="0"/>
-              <a:t> </a:t>
-            </a:r>
-            <a:r>
-              <a:rPr lang="en-US" dirty="0" err="1"/>
-              <a:t>pentru</a:t>
-            </a:r>
-            <a:r>
-              <a:rPr lang="en-US" dirty="0"/>
-              <a:t> </a:t>
-            </a:r>
-            <a:r>
-              <a:rPr lang="en-US" dirty="0" err="1"/>
-              <a:t>obiectul</a:t>
-            </a:r>
-            <a:r>
-              <a:rPr lang="en-US" dirty="0"/>
-              <a:t> </a:t>
-            </a:r>
-            <a:r>
-              <a:rPr lang="en-US" dirty="0" err="1"/>
-              <a:t>nou</a:t>
-            </a:r>
-            <a:r>
-              <a:rPr lang="en-US" dirty="0"/>
-              <a:t> </a:t>
-            </a:r>
-            <a:r>
-              <a:rPr lang="en-US" dirty="0" err="1"/>
-              <a:t>creat</a:t>
-            </a:r>
-            <a:r>
-              <a:rPr lang="en-US" dirty="0"/>
-              <a:t>, </a:t>
-            </a:r>
-            <a:r>
-              <a:rPr lang="en-US" dirty="0" err="1"/>
-              <a:t>prin</a:t>
-            </a:r>
-            <a:r>
-              <a:rPr lang="en-US" dirty="0"/>
-              <a:t> </a:t>
-            </a:r>
-            <a:r>
-              <a:rPr lang="en-US" dirty="0" err="1"/>
-              <a:t>intermediul</a:t>
-            </a:r>
-            <a:r>
-              <a:rPr lang="en-US" dirty="0"/>
-              <a:t> </a:t>
-            </a:r>
-            <a:r>
-              <a:rPr lang="en-US" dirty="0" err="1"/>
-              <a:t>apelului</a:t>
-            </a:r>
-            <a:r>
-              <a:rPr lang="en-US" dirty="0"/>
-              <a:t> </a:t>
-            </a:r>
-            <a:r>
-              <a:rPr lang="en-US" dirty="0" err="1"/>
-              <a:t>constructorului</a:t>
-            </a:r>
-            <a:r>
-              <a:rPr lang="en-US" dirty="0"/>
-              <a:t> </a:t>
-            </a:r>
-            <a:r>
-              <a:rPr lang="en-US" dirty="0" err="1"/>
-              <a:t>clasei</a:t>
-            </a:r>
-            <a:r>
-              <a:rPr lang="en-US" dirty="0"/>
-              <a:t> String (in </a:t>
-            </a:r>
-            <a:r>
-              <a:rPr lang="en-US" dirty="0" err="1"/>
-              <a:t>cazul</a:t>
-            </a:r>
-            <a:r>
-              <a:rPr lang="en-US" dirty="0"/>
-              <a:t> </a:t>
-            </a:r>
-            <a:r>
-              <a:rPr lang="en-US" dirty="0" err="1"/>
-              <a:t>acesta</a:t>
-            </a:r>
-            <a:r>
-              <a:rPr lang="en-US" dirty="0"/>
-              <a:t> </a:t>
-            </a:r>
-            <a:r>
-              <a:rPr lang="en-US" dirty="0" err="1"/>
-              <a:t>valoarea</a:t>
-            </a:r>
-            <a:r>
-              <a:rPr lang="en-US" dirty="0"/>
-              <a:t> </a:t>
-            </a:r>
-            <a:r>
-              <a:rPr lang="en-US" dirty="0" err="1"/>
-              <a:t>curenta</a:t>
-            </a:r>
-            <a:r>
-              <a:rPr lang="en-US" dirty="0"/>
-              <a:t> a String-</a:t>
-            </a:r>
-            <a:r>
-              <a:rPr lang="en-US" dirty="0" err="1"/>
-              <a:t>ului</a:t>
-            </a:r>
-            <a:r>
-              <a:rPr lang="en-US" dirty="0"/>
-              <a:t>, care </a:t>
-            </a:r>
-            <a:r>
-              <a:rPr lang="en-US" dirty="0" err="1"/>
-              <a:t>este</a:t>
-            </a:r>
-            <a:r>
-              <a:rPr lang="en-US" dirty="0"/>
-              <a:t> "</a:t>
-            </a:r>
-            <a:r>
-              <a:rPr lang="en-US" dirty="0" err="1"/>
-              <a:t>abc</a:t>
-            </a:r>
-            <a:r>
-              <a:rPr lang="en-US" dirty="0"/>
-              <a:t>“)</a:t>
-            </a:r>
-          </a:p>
-        </p:txBody>
-      </p:sp>
-    </p:spTree>
-    <p:extLst>
-      <p:ext uri="{BB962C8B-B14F-4D97-AF65-F5344CB8AC3E}">
-        <p14:creationId xmlns:p14="http://schemas.microsoft.com/office/powerpoint/2010/main" val="1303957394"/>
       </p:ext>
     </p:extLst>
   </p:cSld>
@@ -7571,6 +7439,437 @@
           <p:cNvPr id="2" name="Title 1">
             <a:extLst>
               <a:ext uri="{FF2B5EF4-FFF2-40B4-BE49-F238E27FC236}">
+                <a16:creationId xmlns:a16="http://schemas.microsoft.com/office/drawing/2014/main" id="{0C3DD843-E0B0-437D-A226-258A341FE22F}"/>
+              </a:ext>
+            </a:extLst>
+          </p:cNvPr>
+          <p:cNvSpPr>
+            <a:spLocks noGrp="1"/>
+          </p:cNvSpPr>
+          <p:nvPr>
+            <p:ph type="title"/>
+          </p:nvPr>
+        </p:nvSpPr>
+        <p:spPr/>
+        <p:txBody>
+          <a:bodyPr/>
+          <a:lstStyle/>
+          <a:p>
+            <a:r>
+              <a:rPr lang="en-US" b="1" dirty="0"/>
+              <a:t>4.1) </a:t>
+            </a:r>
+            <a:r>
+              <a:rPr lang="en-US" b="1" dirty="0" err="1"/>
+              <a:t>Crearea</a:t>
+            </a:r>
+            <a:r>
+              <a:rPr lang="en-US" b="1" dirty="0"/>
+              <a:t> </a:t>
+            </a:r>
+            <a:r>
+              <a:rPr lang="en-US" b="1" dirty="0" err="1"/>
+              <a:t>obiectelor</a:t>
+            </a:r>
+            <a:endParaRPr lang="en-US" b="1" dirty="0"/>
+          </a:p>
+        </p:txBody>
+      </p:sp>
+      <p:sp>
+        <p:nvSpPr>
+          <p:cNvPr id="3" name="Content Placeholder 2">
+            <a:extLst>
+              <a:ext uri="{FF2B5EF4-FFF2-40B4-BE49-F238E27FC236}">
+                <a16:creationId xmlns:a16="http://schemas.microsoft.com/office/drawing/2014/main" id="{99009918-16F9-4503-8175-556CA59C412B}"/>
+              </a:ext>
+            </a:extLst>
+          </p:cNvPr>
+          <p:cNvSpPr>
+            <a:spLocks noGrp="1"/>
+          </p:cNvSpPr>
+          <p:nvPr>
+            <p:ph idx="1"/>
+          </p:nvPr>
+        </p:nvSpPr>
+        <p:spPr/>
+        <p:txBody>
+          <a:bodyPr>
+            <a:normAutofit/>
+          </a:bodyPr>
+          <a:lstStyle/>
+          <a:p>
+            <a:r>
+              <a:rPr lang="it-IT" dirty="0"/>
+              <a:t>Crearea unui obiect se face prin intermediul cuvantului cheie </a:t>
+            </a:r>
+            <a:r>
+              <a:rPr lang="it-IT" b="1" dirty="0"/>
+              <a:t>new</a:t>
+            </a:r>
+            <a:r>
+              <a:rPr lang="it-IT" dirty="0"/>
+              <a:t>.</a:t>
+            </a:r>
+          </a:p>
+          <a:p>
+            <a:r>
+              <a:rPr lang="en-US" dirty="0"/>
+              <a:t>Ex: </a:t>
+            </a:r>
+            <a:r>
+              <a:rPr lang="en-US" i="1" dirty="0"/>
+              <a:t>String s = new String("</a:t>
+            </a:r>
+            <a:r>
+              <a:rPr lang="en-US" i="1" dirty="0" err="1"/>
+              <a:t>abc</a:t>
+            </a:r>
+            <a:r>
+              <a:rPr lang="en-US" i="1" dirty="0"/>
+              <a:t>");</a:t>
+            </a:r>
+          </a:p>
+          <a:p>
+            <a:r>
+              <a:rPr lang="en-US" dirty="0" err="1"/>
+              <a:t>Apelul</a:t>
+            </a:r>
+            <a:r>
+              <a:rPr lang="en-US" dirty="0"/>
+              <a:t> de </a:t>
+            </a:r>
+            <a:r>
+              <a:rPr lang="en-US" dirty="0" err="1"/>
+              <a:t>mai</a:t>
+            </a:r>
+            <a:r>
+              <a:rPr lang="en-US" dirty="0"/>
+              <a:t> sus face </a:t>
+            </a:r>
+            <a:r>
+              <a:rPr lang="en-US" dirty="0" err="1"/>
+              <a:t>practic</a:t>
+            </a:r>
+            <a:r>
+              <a:rPr lang="en-US" dirty="0"/>
+              <a:t> 3 </a:t>
+            </a:r>
+            <a:r>
+              <a:rPr lang="en-US" dirty="0" err="1"/>
+              <a:t>lucruri</a:t>
+            </a:r>
+            <a:r>
+              <a:rPr lang="en-US" dirty="0"/>
+              <a:t>:</a:t>
+            </a:r>
+          </a:p>
+          <a:p>
+            <a:pPr marL="914400" lvl="1" indent="-457200">
+              <a:buFont typeface="+mj-lt"/>
+              <a:buAutoNum type="arabicPeriod"/>
+            </a:pPr>
+            <a:r>
+              <a:rPr lang="pt-BR" dirty="0"/>
+              <a:t> </a:t>
+            </a:r>
+            <a:r>
+              <a:rPr lang="pt-BR" b="1" dirty="0"/>
+              <a:t>Declarare</a:t>
+            </a:r>
+            <a:r>
+              <a:rPr lang="pt-BR" dirty="0"/>
+              <a:t> - se declara o variabila numita s de tip String</a:t>
+            </a:r>
+          </a:p>
+          <a:p>
+            <a:pPr marL="914400" lvl="1" indent="-457200">
+              <a:buFont typeface="+mj-lt"/>
+              <a:buAutoNum type="arabicPeriod"/>
+            </a:pPr>
+            <a:r>
+              <a:rPr lang="en-US" dirty="0"/>
+              <a:t> </a:t>
+            </a:r>
+            <a:r>
+              <a:rPr lang="en-US" b="1" dirty="0" err="1"/>
+              <a:t>Instantiere</a:t>
+            </a:r>
+            <a:r>
+              <a:rPr lang="en-US" dirty="0"/>
+              <a:t> - se </a:t>
+            </a:r>
+            <a:r>
+              <a:rPr lang="en-US" dirty="0" err="1"/>
+              <a:t>creeaza</a:t>
+            </a:r>
+            <a:r>
+              <a:rPr lang="en-US" dirty="0"/>
+              <a:t> un </a:t>
+            </a:r>
+            <a:r>
+              <a:rPr lang="en-US" dirty="0" err="1"/>
+              <a:t>obiect</a:t>
+            </a:r>
+            <a:r>
+              <a:rPr lang="en-US" dirty="0"/>
+              <a:t> de tip String </a:t>
+            </a:r>
+            <a:r>
+              <a:rPr lang="en-US" dirty="0" err="1"/>
+              <a:t>si</a:t>
+            </a:r>
+            <a:r>
+              <a:rPr lang="en-US" dirty="0"/>
+              <a:t> </a:t>
+            </a:r>
+            <a:r>
+              <a:rPr lang="en-US" dirty="0" err="1"/>
+              <a:t>referinta</a:t>
+            </a:r>
+            <a:r>
+              <a:rPr lang="en-US" dirty="0"/>
+              <a:t> </a:t>
+            </a:r>
+            <a:r>
+              <a:rPr lang="en-US" dirty="0" err="1"/>
+              <a:t>catre</a:t>
+            </a:r>
+            <a:r>
+              <a:rPr lang="en-US" dirty="0"/>
+              <a:t> el se </a:t>
+            </a:r>
+            <a:r>
+              <a:rPr lang="en-US" dirty="0" err="1"/>
+              <a:t>plaseaza</a:t>
+            </a:r>
+            <a:r>
+              <a:rPr lang="en-US" dirty="0"/>
+              <a:t> in </a:t>
+            </a:r>
+            <a:r>
+              <a:rPr lang="en-US" dirty="0" err="1"/>
+              <a:t>variabila</a:t>
+            </a:r>
+            <a:r>
+              <a:rPr lang="en-US" dirty="0"/>
+              <a:t> s</a:t>
+            </a:r>
+          </a:p>
+          <a:p>
+            <a:pPr marL="914400" lvl="1" indent="-457200">
+              <a:buFont typeface="+mj-lt"/>
+              <a:buAutoNum type="arabicPeriod"/>
+            </a:pPr>
+            <a:r>
+              <a:rPr lang="en-US" dirty="0"/>
+              <a:t> </a:t>
+            </a:r>
+            <a:r>
+              <a:rPr lang="en-US" b="1" dirty="0" err="1"/>
+              <a:t>Initializare</a:t>
+            </a:r>
+            <a:r>
+              <a:rPr lang="en-US" dirty="0"/>
+              <a:t> - se </a:t>
+            </a:r>
+            <a:r>
+              <a:rPr lang="en-US" dirty="0" err="1"/>
+              <a:t>initializeaza</a:t>
+            </a:r>
+            <a:r>
+              <a:rPr lang="en-US" dirty="0"/>
+              <a:t> </a:t>
+            </a:r>
+            <a:r>
+              <a:rPr lang="en-US" dirty="0" err="1"/>
+              <a:t>variabilele</a:t>
+            </a:r>
+            <a:r>
+              <a:rPr lang="en-US" dirty="0"/>
+              <a:t> </a:t>
+            </a:r>
+            <a:r>
+              <a:rPr lang="en-US" dirty="0" err="1"/>
+              <a:t>membru</a:t>
+            </a:r>
+            <a:r>
+              <a:rPr lang="en-US" dirty="0"/>
+              <a:t> </a:t>
+            </a:r>
+            <a:r>
+              <a:rPr lang="en-US" dirty="0" err="1"/>
+              <a:t>relevante</a:t>
+            </a:r>
+            <a:r>
+              <a:rPr lang="en-US" dirty="0"/>
+              <a:t> </a:t>
+            </a:r>
+            <a:r>
+              <a:rPr lang="en-US" dirty="0" err="1"/>
+              <a:t>pentru</a:t>
+            </a:r>
+            <a:r>
+              <a:rPr lang="en-US" dirty="0"/>
+              <a:t> </a:t>
+            </a:r>
+            <a:r>
+              <a:rPr lang="en-US" dirty="0" err="1"/>
+              <a:t>obiectul</a:t>
+            </a:r>
+            <a:r>
+              <a:rPr lang="en-US" dirty="0"/>
+              <a:t> </a:t>
+            </a:r>
+            <a:r>
+              <a:rPr lang="en-US" dirty="0" err="1"/>
+              <a:t>nou</a:t>
+            </a:r>
+            <a:r>
+              <a:rPr lang="en-US" dirty="0"/>
+              <a:t> </a:t>
+            </a:r>
+            <a:r>
+              <a:rPr lang="en-US" dirty="0" err="1"/>
+              <a:t>creat</a:t>
+            </a:r>
+            <a:r>
+              <a:rPr lang="en-US" dirty="0"/>
+              <a:t>, </a:t>
+            </a:r>
+            <a:r>
+              <a:rPr lang="en-US" dirty="0" err="1"/>
+              <a:t>prin</a:t>
+            </a:r>
+            <a:r>
+              <a:rPr lang="en-US" dirty="0"/>
+              <a:t> </a:t>
+            </a:r>
+            <a:r>
+              <a:rPr lang="en-US" dirty="0" err="1"/>
+              <a:t>intermediul</a:t>
+            </a:r>
+            <a:r>
+              <a:rPr lang="en-US" dirty="0"/>
+              <a:t> </a:t>
+            </a:r>
+            <a:r>
+              <a:rPr lang="en-US" dirty="0" err="1"/>
+              <a:t>apelului</a:t>
+            </a:r>
+            <a:r>
+              <a:rPr lang="en-US" dirty="0"/>
+              <a:t> </a:t>
+            </a:r>
+            <a:r>
+              <a:rPr lang="en-US" dirty="0" err="1"/>
+              <a:t>constructorului</a:t>
+            </a:r>
+            <a:r>
+              <a:rPr lang="en-US" dirty="0"/>
+              <a:t> </a:t>
+            </a:r>
+            <a:r>
+              <a:rPr lang="en-US" dirty="0" err="1"/>
+              <a:t>clasei</a:t>
+            </a:r>
+            <a:r>
+              <a:rPr lang="en-US" dirty="0"/>
+              <a:t> String (in </a:t>
+            </a:r>
+            <a:r>
+              <a:rPr lang="en-US" dirty="0" err="1"/>
+              <a:t>cazul</a:t>
+            </a:r>
+            <a:r>
+              <a:rPr lang="en-US" dirty="0"/>
+              <a:t> </a:t>
+            </a:r>
+            <a:r>
+              <a:rPr lang="en-US" dirty="0" err="1"/>
+              <a:t>acesta</a:t>
+            </a:r>
+            <a:r>
+              <a:rPr lang="en-US" dirty="0"/>
+              <a:t> </a:t>
+            </a:r>
+            <a:r>
+              <a:rPr lang="en-US" dirty="0" err="1"/>
+              <a:t>valoarea</a:t>
+            </a:r>
+            <a:r>
+              <a:rPr lang="en-US" dirty="0"/>
+              <a:t> </a:t>
+            </a:r>
+            <a:r>
+              <a:rPr lang="en-US" dirty="0" err="1"/>
+              <a:t>curenta</a:t>
+            </a:r>
+            <a:r>
+              <a:rPr lang="en-US" dirty="0"/>
+              <a:t> a String-</a:t>
+            </a:r>
+            <a:r>
+              <a:rPr lang="en-US" dirty="0" err="1"/>
+              <a:t>ului</a:t>
+            </a:r>
+            <a:r>
+              <a:rPr lang="en-US" dirty="0"/>
+              <a:t>, care </a:t>
+            </a:r>
+            <a:r>
+              <a:rPr lang="en-US" dirty="0" err="1"/>
+              <a:t>este</a:t>
+            </a:r>
+            <a:r>
+              <a:rPr lang="en-US" dirty="0"/>
+              <a:t> "</a:t>
+            </a:r>
+            <a:r>
+              <a:rPr lang="en-US" dirty="0" err="1"/>
+              <a:t>abc</a:t>
+            </a:r>
+            <a:r>
+              <a:rPr lang="en-US" dirty="0"/>
+              <a:t>“)</a:t>
+            </a:r>
+          </a:p>
+        </p:txBody>
+      </p:sp>
+    </p:spTree>
+    <p:extLst>
+      <p:ext uri="{BB962C8B-B14F-4D97-AF65-F5344CB8AC3E}">
+        <p14:creationId xmlns:p14="http://schemas.microsoft.com/office/powerpoint/2010/main" val="1303957394"/>
+      </p:ext>
+    </p:extLst>
+  </p:cSld>
+  <p:clrMapOvr>
+    <a:masterClrMapping/>
+  </p:clrMapOvr>
+</p:sld>
+</file>
+
+<file path=ppt/slides/slide21.xml><?xml version="1.0" encoding="utf-8"?>
+<p:sld xmlns:a="http://schemas.openxmlformats.org/drawingml/2006/main" xmlns:r="http://schemas.openxmlformats.org/officeDocument/2006/relationships" xmlns:p="http://schemas.openxmlformats.org/presentationml/2006/main">
+  <p:cSld>
+    <p:spTree>
+      <p:nvGrpSpPr>
+        <p:cNvPr id="1" name=""/>
+        <p:cNvGrpSpPr/>
+        <p:nvPr/>
+      </p:nvGrpSpPr>
+      <p:grpSpPr>
+        <a:xfrm>
+          <a:off x="0" y="0"/>
+          <a:ext cx="0" cy="0"/>
+          <a:chOff x="0" y="0"/>
+          <a:chExt cx="0" cy="0"/>
+        </a:xfrm>
+      </p:grpSpPr>
+      <p:sp>
+        <p:nvSpPr>
+          <p:cNvPr id="2" name="Title 1">
+            <a:extLst>
+              <a:ext uri="{FF2B5EF4-FFF2-40B4-BE49-F238E27FC236}">
                 <a16:creationId xmlns:a16="http://schemas.microsoft.com/office/drawing/2014/main" id="{CB175275-6D44-4DF1-ACE0-5EBF989FA8AB}"/>
               </a:ext>
             </a:extLst>
@@ -7935,7 +8234,7 @@
 </p:sld>
 </file>
 
-<file path=ppt/slides/slide21.xml><?xml version="1.0" encoding="utf-8"?>
+<file path=ppt/slides/slide22.xml><?xml version="1.0" encoding="utf-8"?>
 <p:sld xmlns:a="http://schemas.openxmlformats.org/drawingml/2006/main" xmlns:r="http://schemas.openxmlformats.org/officeDocument/2006/relationships" xmlns:p="http://schemas.openxmlformats.org/presentationml/2006/main">
   <p:cSld>
     <p:spTree>
@@ -10223,7 +10522,7 @@
             </a:r>
             <a:r>
               <a:rPr lang="en-US" dirty="0"/>
-              <a:t> (ex: public/private)</a:t>
+              <a:t> (ex: public)</a:t>
             </a:r>
           </a:p>
           <a:p>
